--- a/Bi-weekly Update  07192023 PW.pptx
+++ b/Bi-weekly Update  07192023 PW.pptx
@@ -6,15 +6,16 @@
     <p:sldMasterId id="2147483677" r:id="rId2"/>
   </p:sldMasterIdLst>
   <p:notesMasterIdLst>
-    <p:notesMasterId r:id="rId6"/>
+    <p:notesMasterId r:id="rId7"/>
   </p:notesMasterIdLst>
   <p:handoutMasterIdLst>
-    <p:handoutMasterId r:id="rId7"/>
+    <p:handoutMasterId r:id="rId8"/>
   </p:handoutMasterIdLst>
   <p:sldIdLst>
     <p:sldId id="388" r:id="rId3"/>
     <p:sldId id="427" r:id="rId4"/>
     <p:sldId id="428" r:id="rId5"/>
+    <p:sldId id="429" r:id="rId6"/>
   </p:sldIdLst>
   <p:sldSz cx="9144000" cy="6858000" type="screen4x3"/>
   <p:notesSz cx="7019925" cy="9305925"/>
@@ -3005,7 +3006,7 @@
           <a:p>
             <a:fld id="{DD4B4FC3-663B-4837-BE3C-9748504111CD}" type="datetimeFigureOut">
               <a:rPr lang="en-US" smtClean="0"/>
-              <a:t>7/17/2023</a:t>
+              <a:t>7/18/2023</a:t>
             </a:fld>
             <a:endParaRPr lang="en-US"/>
           </a:p>
@@ -3170,7 +3171,7 @@
           <a:p>
             <a:fld id="{4739E05F-45CD-4689-845F-4C80707953D1}" type="datetimeFigureOut">
               <a:rPr lang="en-US" smtClean="0"/>
-              <a:t>7/17/2023</a:t>
+              <a:t>7/18/2023</a:t>
             </a:fld>
             <a:endParaRPr lang="en-US" dirty="0"/>
           </a:p>
@@ -8585,6 +8586,13 @@
   <p:clrMapOvr>
     <a:masterClrMapping/>
   </p:clrMapOvr>
+  <p:timing>
+    <p:tnLst>
+      <p:par>
+        <p:cTn id="1" dur="indefinite" restart="never" nodeType="tmRoot"/>
+      </p:par>
+    </p:tnLst>
+  </p:timing>
 </p:sld>
 </file>
 
@@ -9253,14 +9261,7 @@
                           <a:effectLst/>
                           <a:latin typeface="Trebuchet MS" panose="020B0603020202020204" pitchFamily="34" charset="0"/>
                         </a:rPr>
-                        <a:t>Slow: </a:t>
-                      </a:r>
-                      <a:r>
-                        <a:rPr lang="en-US" sz="1200" u="none" strike="noStrike" dirty="0" smtClean="0">
-                          <a:effectLst/>
-                          <a:latin typeface="Trebuchet MS" panose="020B0603020202020204" pitchFamily="34" charset="0"/>
-                        </a:rPr>
-                        <a:t>Takes up to an hour</a:t>
+                        <a:t>Slow: Takes up to an hour</a:t>
                       </a:r>
                       <a:endParaRPr lang="en-US" sz="1200" b="0" i="0" u="none" strike="noStrike" dirty="0">
                         <a:solidFill>
@@ -9900,7 +9901,7 @@
             <a:pPr algn="ctr"/>
             <a:r>
               <a:rPr lang="en-US" sz="1400" dirty="0" smtClean="0"/>
-              <a:t>Handle any errors</a:t>
+              <a:t>Error Handling</a:t>
             </a:r>
             <a:endParaRPr lang="en-US" sz="1400" dirty="0"/>
           </a:p>
@@ -10073,8 +10074,8 @@
         </p:nvSpPr>
         <p:spPr>
           <a:xfrm>
-            <a:off x="6619341" y="1473370"/>
-            <a:ext cx="1601381" cy="356824"/>
+            <a:off x="6637883" y="1427231"/>
+            <a:ext cx="1601381" cy="682067"/>
           </a:xfrm>
           <a:prstGeom prst="rect">
             <a:avLst/>
@@ -10086,12 +10087,44 @@
           </a:bodyPr>
           <a:lstStyle/>
           <a:p>
+            <a:pPr marL="228600" indent="-228600">
+              <a:buAutoNum type="arabicPeriod"/>
+            </a:pPr>
             <a:r>
               <a:rPr lang="en-US" sz="1100" dirty="0" smtClean="0">
                 <a:latin typeface="Trebuchet MS" panose="020B0603020202020204" pitchFamily="34" charset="0"/>
               </a:rPr>
-              <a:t>1. Attempt concurrent downloads to all folders</a:t>
-            </a:r>
+              <a:t>Attempt </a:t>
+            </a:r>
+            <a:r>
+              <a:rPr lang="en-US" sz="1100" dirty="0" smtClean="0">
+                <a:latin typeface="Trebuchet MS" panose="020B0603020202020204" pitchFamily="34" charset="0"/>
+              </a:rPr>
+              <a:t>concurrent downloads to all </a:t>
+            </a:r>
+            <a:r>
+              <a:rPr lang="en-US" sz="1100" dirty="0" smtClean="0">
+                <a:latin typeface="Trebuchet MS" panose="020B0603020202020204" pitchFamily="34" charset="0"/>
+              </a:rPr>
+              <a:t>folders</a:t>
+            </a:r>
+          </a:p>
+          <a:p>
+            <a:r>
+              <a:rPr lang="en-US" sz="1100" dirty="0" smtClean="0">
+                <a:latin typeface="Trebuchet MS" panose="020B0603020202020204" pitchFamily="34" charset="0"/>
+              </a:rPr>
+              <a:t>        </a:t>
+            </a:r>
+            <a:r>
+              <a:rPr lang="en-US" sz="1050" dirty="0" smtClean="0">
+                <a:latin typeface="Trebuchet MS" panose="020B0603020202020204" pitchFamily="34" charset="0"/>
+              </a:rPr>
+              <a:t>- 300 seconds</a:t>
+            </a:r>
+            <a:endParaRPr lang="en-US" sz="1050" dirty="0" smtClean="0">
+              <a:latin typeface="Trebuchet MS" panose="020B0603020202020204" pitchFamily="34" charset="0"/>
+            </a:endParaRPr>
           </a:p>
         </p:txBody>
       </p:sp>
@@ -10130,8 +10163,8 @@
         </p:nvSpPr>
         <p:spPr>
           <a:xfrm>
-            <a:off x="6212412" y="3474197"/>
-            <a:ext cx="1713390" cy="396467"/>
+            <a:off x="6373608" y="3498552"/>
+            <a:ext cx="1713390" cy="582567"/>
           </a:xfrm>
           <a:prstGeom prst="rect">
             <a:avLst/>
@@ -10147,8 +10180,31 @@
               <a:rPr lang="en-US" sz="1100" dirty="0" smtClean="0">
                 <a:latin typeface="Trebuchet MS" panose="020B0603020202020204" pitchFamily="34" charset="0"/>
               </a:rPr>
-              <a:t>2. Try to fix all folders that failed to download</a:t>
-            </a:r>
+              <a:t>2. Try to fix all folders that failed to </a:t>
+            </a:r>
+            <a:r>
+              <a:rPr lang="en-US" sz="1100" dirty="0" smtClean="0">
+                <a:latin typeface="Trebuchet MS" panose="020B0603020202020204" pitchFamily="34" charset="0"/>
+              </a:rPr>
+              <a:t>download</a:t>
+            </a:r>
+          </a:p>
+          <a:p>
+            <a:r>
+              <a:rPr lang="en-US" sz="1050" dirty="0">
+                <a:latin typeface="Trebuchet MS" panose="020B0603020202020204" pitchFamily="34" charset="0"/>
+              </a:rPr>
+              <a:t> </a:t>
+            </a:r>
+            <a:r>
+              <a:rPr lang="en-US" sz="1050" dirty="0" smtClean="0">
+                <a:latin typeface="Trebuchet MS" panose="020B0603020202020204" pitchFamily="34" charset="0"/>
+              </a:rPr>
+              <a:t>        - 200 seconds</a:t>
+            </a:r>
+            <a:endParaRPr lang="en-US" sz="1050" dirty="0" smtClean="0">
+              <a:latin typeface="Trebuchet MS" panose="020B0603020202020204" pitchFamily="34" charset="0"/>
+            </a:endParaRPr>
           </a:p>
         </p:txBody>
       </p:sp>
@@ -10243,8 +10299,8 @@
         </p:nvSpPr>
         <p:spPr>
           <a:xfrm>
-            <a:off x="5849677" y="4660777"/>
-            <a:ext cx="1826843" cy="612559"/>
+            <a:off x="5880749" y="4767625"/>
+            <a:ext cx="1826843" cy="905206"/>
           </a:xfrm>
           <a:prstGeom prst="rect">
             <a:avLst/>
@@ -10260,8 +10316,31 @@
               <a:rPr lang="en-US" sz="1100" dirty="0" smtClean="0">
                 <a:latin typeface="Trebuchet MS" panose="020B0603020202020204" pitchFamily="34" charset="0"/>
               </a:rPr>
-              <a:t>3. Write to a raw log file and send an email that parses the file to determine if the downloads were successful</a:t>
-            </a:r>
+              <a:t>3. Write to a raw log file and send an email that parses the file to determine if the downloads were </a:t>
+            </a:r>
+            <a:r>
+              <a:rPr lang="en-US" sz="1100" dirty="0" smtClean="0">
+                <a:latin typeface="Trebuchet MS" panose="020B0603020202020204" pitchFamily="34" charset="0"/>
+              </a:rPr>
+              <a:t>successful</a:t>
+            </a:r>
+          </a:p>
+          <a:p>
+            <a:r>
+              <a:rPr lang="en-US" sz="1050" dirty="0">
+                <a:latin typeface="Trebuchet MS" panose="020B0603020202020204" pitchFamily="34" charset="0"/>
+              </a:rPr>
+              <a:t> </a:t>
+            </a:r>
+            <a:r>
+              <a:rPr lang="en-US" sz="1050" dirty="0" smtClean="0">
+                <a:latin typeface="Trebuchet MS" panose="020B0603020202020204" pitchFamily="34" charset="0"/>
+              </a:rPr>
+              <a:t>          - 30 seconds</a:t>
+            </a:r>
+            <a:endParaRPr lang="en-US" sz="1050" dirty="0" smtClean="0">
+              <a:latin typeface="Trebuchet MS" panose="020B0603020202020204" pitchFamily="34" charset="0"/>
+            </a:endParaRPr>
           </a:p>
         </p:txBody>
       </p:sp>
@@ -10281,7 +10360,7 @@
         </p:blipFill>
         <p:spPr>
           <a:xfrm>
-            <a:off x="6293120" y="1382682"/>
+            <a:off x="6313975" y="1541889"/>
             <a:ext cx="303417" cy="303417"/>
           </a:xfrm>
           <a:prstGeom prst="rect">
@@ -10337,10 +10416,366 @@
           </a:prstGeom>
         </p:spPr>
       </p:pic>
+      <p:sp>
+        <p:nvSpPr>
+          <p:cNvPr id="2" name="TextBox 1"/>
+          <p:cNvSpPr txBox="1"/>
+          <p:nvPr/>
+        </p:nvSpPr>
+        <p:spPr>
+          <a:xfrm>
+            <a:off x="1997118" y="1037682"/>
+            <a:ext cx="1269506" cy="737323"/>
+          </a:xfrm>
+          <a:prstGeom prst="rect">
+            <a:avLst/>
+          </a:prstGeom>
+        </p:spPr>
+        <p:txBody>
+          <a:bodyPr vert="horz" wrap="square" lIns="0" tIns="0" rIns="0" bIns="0" rtlCol="0">
+            <a:noAutofit/>
+          </a:bodyPr>
+          <a:lstStyle/>
+          <a:p>
+            <a:r>
+              <a:rPr lang="en-US" sz="1050" dirty="0" smtClean="0">
+                <a:latin typeface="Trebuchet MS" panose="020B0603020202020204" pitchFamily="34" charset="0"/>
+              </a:rPr>
+              <a:t>0. Simple pre-processing of the data</a:t>
+            </a:r>
+          </a:p>
+          <a:p>
+            <a:r>
+              <a:rPr lang="en-US" sz="1050" dirty="0" smtClean="0">
+                <a:latin typeface="Trebuchet MS" panose="020B0603020202020204" pitchFamily="34" charset="0"/>
+              </a:rPr>
+              <a:t>      - </a:t>
+            </a:r>
+            <a:r>
+              <a:rPr lang="en-US" sz="1000" dirty="0" smtClean="0">
+                <a:latin typeface="Trebuchet MS" panose="020B0603020202020204" pitchFamily="34" charset="0"/>
+              </a:rPr>
+              <a:t>10 seconds</a:t>
+            </a:r>
+            <a:endParaRPr lang="en-US" sz="1000" dirty="0" smtClean="0">
+              <a:latin typeface="Trebuchet MS" panose="020B0603020202020204" pitchFamily="34" charset="0"/>
+            </a:endParaRPr>
+          </a:p>
+        </p:txBody>
+      </p:sp>
     </p:spTree>
     <p:extLst>
       <p:ext uri="{BB962C8B-B14F-4D97-AF65-F5344CB8AC3E}">
         <p14:creationId xmlns:p14="http://schemas.microsoft.com/office/powerpoint/2010/main" val="88826025"/>
+      </p:ext>
+    </p:extLst>
+  </p:cSld>
+  <p:clrMapOvr>
+    <a:masterClrMapping/>
+  </p:clrMapOvr>
+  <p:timing>
+    <p:tnLst>
+      <p:par>
+        <p:cTn id="1" dur="indefinite" restart="never" nodeType="tmRoot"/>
+      </p:par>
+    </p:tnLst>
+  </p:timing>
+</p:sld>
+</file>
+
+<file path=ppt/slides/slide4.xml><?xml version="1.0" encoding="utf-8"?>
+<p:sld xmlns:a="http://schemas.openxmlformats.org/drawingml/2006/main" xmlns:r="http://schemas.openxmlformats.org/officeDocument/2006/relationships" xmlns:p="http://schemas.openxmlformats.org/presentationml/2006/main">
+  <p:cSld>
+    <p:spTree>
+      <p:nvGrpSpPr>
+        <p:cNvPr id="1" name=""/>
+        <p:cNvGrpSpPr/>
+        <p:nvPr/>
+      </p:nvGrpSpPr>
+      <p:grpSpPr>
+        <a:xfrm>
+          <a:off x="0" y="0"/>
+          <a:ext cx="0" cy="0"/>
+          <a:chOff x="0" y="0"/>
+          <a:chExt cx="0" cy="0"/>
+        </a:xfrm>
+      </p:grpSpPr>
+      <p:pic>
+        <p:nvPicPr>
+          <p:cNvPr id="5" name="Content Placeholder 4"/>
+          <p:cNvPicPr>
+            <a:picLocks noGrp="1" noChangeAspect="1"/>
+          </p:cNvPicPr>
+          <p:nvPr>
+            <p:ph idx="1"/>
+          </p:nvPr>
+        </p:nvPicPr>
+        <p:blipFill>
+          <a:blip r:embed="rId2"/>
+          <a:stretch>
+            <a:fillRect/>
+          </a:stretch>
+        </p:blipFill>
+        <p:spPr>
+          <a:xfrm>
+            <a:off x="330411" y="1402673"/>
+            <a:ext cx="4428126" cy="4358936"/>
+          </a:xfrm>
+          <a:prstGeom prst="rect">
+            <a:avLst/>
+          </a:prstGeom>
+        </p:spPr>
+      </p:pic>
+      <p:sp>
+        <p:nvSpPr>
+          <p:cNvPr id="3" name="Title 2"/>
+          <p:cNvSpPr>
+            <a:spLocks noGrp="1"/>
+          </p:cNvSpPr>
+          <p:nvPr>
+            <p:ph type="title"/>
+          </p:nvPr>
+        </p:nvSpPr>
+        <p:spPr/>
+        <p:txBody>
+          <a:bodyPr/>
+          <a:lstStyle/>
+          <a:p>
+            <a:r>
+              <a:rPr lang="en-US" dirty="0" smtClean="0"/>
+              <a:t>Error Checking Report Layout</a:t>
+            </a:r>
+            <a:endParaRPr lang="en-US" dirty="0"/>
+          </a:p>
+        </p:txBody>
+      </p:sp>
+      <p:sp>
+        <p:nvSpPr>
+          <p:cNvPr id="4" name="Slide Number Placeholder 3"/>
+          <p:cNvSpPr>
+            <a:spLocks noGrp="1"/>
+          </p:cNvSpPr>
+          <p:nvPr>
+            <p:ph type="sldNum" sz="quarter" idx="12"/>
+          </p:nvPr>
+        </p:nvSpPr>
+        <p:spPr/>
+        <p:txBody>
+          <a:bodyPr/>
+          <a:lstStyle/>
+          <a:p>
+            <a:pPr>
+              <a:defRPr/>
+            </a:pPr>
+            <a:r>
+              <a:rPr lang="en-US" sz="800" smtClean="0">
+                <a:solidFill>
+                  <a:srgbClr val="C00000"/>
+                </a:solidFill>
+              </a:rPr>
+              <a:t>HIGHLY CONFIDENTIAL </a:t>
+            </a:r>
+            <a:fld id="{EC4D6EA5-BC0F-4B07-ABF1-A957CA1E5A93}" type="slidenum">
+              <a:rPr lang="en-US" smtClean="0">
+                <a:solidFill>
+                  <a:prstClr val="black"/>
+                </a:solidFill>
+              </a:rPr>
+              <a:pPr>
+                <a:defRPr/>
+              </a:pPr>
+              <a:t>4</a:t>
+            </a:fld>
+            <a:endParaRPr lang="en-US" dirty="0">
+              <a:solidFill>
+                <a:prstClr val="black"/>
+              </a:solidFill>
+            </a:endParaRPr>
+          </a:p>
+        </p:txBody>
+      </p:sp>
+      <p:sp>
+        <p:nvSpPr>
+          <p:cNvPr id="6" name="TextBox 5"/>
+          <p:cNvSpPr txBox="1"/>
+          <p:nvPr/>
+        </p:nvSpPr>
+        <p:spPr>
+          <a:xfrm>
+            <a:off x="4834237" y="1558031"/>
+            <a:ext cx="3835154" cy="3910613"/>
+          </a:xfrm>
+          <a:prstGeom prst="rect">
+            <a:avLst/>
+          </a:prstGeom>
+        </p:spPr>
+        <p:txBody>
+          <a:bodyPr vert="horz" wrap="square" lIns="0" tIns="0" rIns="0" bIns="0" rtlCol="0">
+            <a:noAutofit/>
+          </a:bodyPr>
+          <a:lstStyle/>
+          <a:p>
+            <a:pPr marL="285750" indent="-285750">
+              <a:buClr>
+                <a:schemeClr val="bg2"/>
+              </a:buClr>
+              <a:buFont typeface="Arial" panose="020B0604020202020204" pitchFamily="34" charset="0"/>
+              <a:buChar char="•"/>
+            </a:pPr>
+            <a:r>
+              <a:rPr lang="en-US" sz="1600" dirty="0" smtClean="0">
+                <a:latin typeface="Trebuchet MS" panose="020B0603020202020204" pitchFamily="34" charset="0"/>
+              </a:rPr>
+              <a:t>Automated to send immediately after the data </a:t>
+            </a:r>
+            <a:r>
+              <a:rPr lang="en-US" sz="1600" dirty="0" smtClean="0">
+                <a:latin typeface="Trebuchet MS" panose="020B0603020202020204" pitchFamily="34" charset="0"/>
+              </a:rPr>
+              <a:t>gets downloaded (roughly 6:25 AM)</a:t>
+            </a:r>
+          </a:p>
+          <a:p>
+            <a:pPr marL="285750" indent="-285750">
+              <a:buClr>
+                <a:schemeClr val="bg2"/>
+              </a:buClr>
+              <a:buFont typeface="Arial" panose="020B0604020202020204" pitchFamily="34" charset="0"/>
+              <a:buChar char="•"/>
+            </a:pPr>
+            <a:r>
+              <a:rPr lang="en-US" sz="1600" dirty="0" smtClean="0">
+                <a:latin typeface="Trebuchet MS" panose="020B0603020202020204" pitchFamily="34" charset="0"/>
+              </a:rPr>
+              <a:t>Summarizes the following:</a:t>
+            </a:r>
+          </a:p>
+          <a:p>
+            <a:pPr marL="742950" lvl="1" indent="-285750">
+              <a:buClr>
+                <a:schemeClr val="bg2"/>
+              </a:buClr>
+              <a:buFont typeface="Arial" panose="020B0604020202020204" pitchFamily="34" charset="0"/>
+              <a:buChar char="•"/>
+            </a:pPr>
+            <a:r>
+              <a:rPr lang="en-US" sz="1400" dirty="0" smtClean="0">
+                <a:latin typeface="Trebuchet MS" panose="020B0603020202020204" pitchFamily="34" charset="0"/>
+              </a:rPr>
+              <a:t>Lower and upper bounds for date queries</a:t>
+            </a:r>
+          </a:p>
+          <a:p>
+            <a:pPr marL="742950" lvl="1" indent="-285750">
+              <a:buClr>
+                <a:schemeClr val="bg2"/>
+              </a:buClr>
+              <a:buFont typeface="Arial" panose="020B0604020202020204" pitchFamily="34" charset="0"/>
+              <a:buChar char="•"/>
+            </a:pPr>
+            <a:r>
+              <a:rPr lang="en-US" sz="1400" dirty="0" smtClean="0">
+                <a:latin typeface="Trebuchet MS" panose="020B0603020202020204" pitchFamily="34" charset="0"/>
+              </a:rPr>
+              <a:t>Total download time recorded</a:t>
+            </a:r>
+          </a:p>
+          <a:p>
+            <a:pPr marL="742950" lvl="1" indent="-285750">
+              <a:buClr>
+                <a:schemeClr val="bg2"/>
+              </a:buClr>
+              <a:buFont typeface="Arial" panose="020B0604020202020204" pitchFamily="34" charset="0"/>
+              <a:buChar char="•"/>
+            </a:pPr>
+            <a:r>
+              <a:rPr lang="en-US" sz="1400" dirty="0" smtClean="0">
+                <a:latin typeface="Trebuchet MS" panose="020B0603020202020204" pitchFamily="34" charset="0"/>
+              </a:rPr>
+              <a:t>Identifies which folders have no available data</a:t>
+            </a:r>
+          </a:p>
+          <a:p>
+            <a:pPr marL="742950" lvl="1" indent="-285750">
+              <a:buClr>
+                <a:schemeClr val="bg2"/>
+              </a:buClr>
+              <a:buFont typeface="Arial" panose="020B0604020202020204" pitchFamily="34" charset="0"/>
+              <a:buChar char="•"/>
+            </a:pPr>
+            <a:r>
+              <a:rPr lang="en-US" sz="1400" dirty="0" smtClean="0">
+                <a:latin typeface="Trebuchet MS" panose="020B0603020202020204" pitchFamily="34" charset="0"/>
+              </a:rPr>
+              <a:t>Notes which folders were not successfully downloaded to</a:t>
+            </a:r>
+          </a:p>
+          <a:p>
+            <a:pPr marL="285750" indent="-285750">
+              <a:buClr>
+                <a:schemeClr val="bg2"/>
+              </a:buClr>
+              <a:buFont typeface="Arial" panose="020B0604020202020204" pitchFamily="34" charset="0"/>
+              <a:buChar char="•"/>
+            </a:pPr>
+            <a:r>
+              <a:rPr lang="en-US" sz="1600" dirty="0" smtClean="0">
+                <a:latin typeface="Trebuchet MS" panose="020B0603020202020204" pitchFamily="34" charset="0"/>
+              </a:rPr>
+              <a:t>Offers an easy solution via the Command </a:t>
+            </a:r>
+            <a:r>
+              <a:rPr lang="en-US" sz="1600" dirty="0">
+                <a:latin typeface="Trebuchet MS" panose="020B0603020202020204" pitchFamily="34" charset="0"/>
+              </a:rPr>
+              <a:t>L</a:t>
+            </a:r>
+            <a:r>
+              <a:rPr lang="en-US" sz="1600" dirty="0" smtClean="0">
+                <a:latin typeface="Trebuchet MS" panose="020B0603020202020204" pitchFamily="34" charset="0"/>
+              </a:rPr>
+              <a:t>ine to manually download missing data</a:t>
+            </a:r>
+          </a:p>
+          <a:p>
+            <a:pPr marL="285750" indent="-285750">
+              <a:buClr>
+                <a:schemeClr val="bg2"/>
+              </a:buClr>
+              <a:buFont typeface="Arial" panose="020B0604020202020204" pitchFamily="34" charset="0"/>
+              <a:buChar char="•"/>
+            </a:pPr>
+            <a:r>
+              <a:rPr lang="en-US" sz="1600" dirty="0" smtClean="0">
+                <a:latin typeface="Trebuchet MS" panose="020B0603020202020204" pitchFamily="34" charset="0"/>
+              </a:rPr>
+              <a:t>Provides further Troubleshooting Tips and Tricks</a:t>
+            </a:r>
+          </a:p>
+          <a:p>
+            <a:pPr marL="742950" lvl="1" indent="-285750">
+              <a:buFont typeface="Arial" panose="020B0604020202020204" pitchFamily="34" charset="0"/>
+              <a:buChar char="•"/>
+            </a:pPr>
+            <a:endParaRPr lang="en-US" sz="1400" dirty="0" smtClean="0">
+              <a:latin typeface="Trebuchet MS" panose="020B0603020202020204" pitchFamily="34" charset="0"/>
+            </a:endParaRPr>
+          </a:p>
+          <a:p>
+            <a:pPr marL="742950" lvl="1" indent="-285750">
+              <a:buFont typeface="Arial" panose="020B0604020202020204" pitchFamily="34" charset="0"/>
+              <a:buChar char="•"/>
+            </a:pPr>
+            <a:endParaRPr lang="en-US" sz="1400" dirty="0" err="1" smtClean="0">
+              <a:latin typeface="Trebuchet MS" panose="020B0603020202020204" pitchFamily="34" charset="0"/>
+            </a:endParaRPr>
+          </a:p>
+        </p:txBody>
+      </p:sp>
+    </p:spTree>
+    <p:extLst>
+      <p:ext uri="{BB962C8B-B14F-4D97-AF65-F5344CB8AC3E}">
+        <p14:creationId xmlns:p14="http://schemas.microsoft.com/office/powerpoint/2010/main" val="2900984572"/>
       </p:ext>
     </p:extLst>
   </p:cSld>
